--- a/Diagramas.pptx
+++ b/Diagramas.pptx
@@ -3735,13 +3735,15 @@
       <p:cxnSp>
         <p:nvCxnSpPr>
           <p:cNvPr id="31" name="Conector reto 30"/>
-          <p:cNvCxnSpPr/>
+          <p:cNvCxnSpPr>
+            <a:endCxn id="15" idx="0"/>
+          </p:cNvCxnSpPr>
           <p:nvPr/>
         </p:nvCxnSpPr>
         <p:spPr>
           <a:xfrm flipH="1">
-            <a:off x="7488324" y="3219140"/>
-            <a:ext cx="9525" cy="690389"/>
+            <a:off x="7497849" y="3219140"/>
+            <a:ext cx="1" cy="978570"/>
           </a:xfrm>
           <a:prstGeom prst="line">
             <a:avLst/>
@@ -3977,11 +3979,7 @@
             </a:r>
             <a:r>
               <a:rPr lang="pt-BR" dirty="0" smtClean="0"/>
-              <a:t> </a:t>
-            </a:r>
-            <a:r>
-              <a:rPr lang="pt-BR" dirty="0" smtClean="0"/>
-              <a:t>Sensor</a:t>
+              <a:t> Sensor</a:t>
             </a:r>
             <a:endParaRPr lang="pt-BR" dirty="0"/>
           </a:p>
@@ -6018,11 +6016,7 @@
             </a:r>
             <a:r>
               <a:rPr lang="pt-BR" dirty="0" smtClean="0"/>
-              <a:t> </a:t>
-            </a:r>
-            <a:r>
-              <a:rPr lang="pt-BR" dirty="0" smtClean="0"/>
-              <a:t>Sensor</a:t>
+              <a:t> Sensor</a:t>
             </a:r>
             <a:endParaRPr lang="pt-BR" dirty="0"/>
           </a:p>
@@ -6114,11 +6108,7 @@
             </a:r>
             <a:r>
               <a:rPr lang="pt-BR" dirty="0" smtClean="0"/>
-              <a:t> </a:t>
-            </a:r>
-            <a:r>
-              <a:rPr lang="pt-BR" dirty="0" smtClean="0"/>
-              <a:t>Sensor</a:t>
+              <a:t> Sensor</a:t>
             </a:r>
             <a:endParaRPr lang="pt-BR" dirty="0"/>
           </a:p>
